--- a/LogicDesignProject.pptx
+++ b/LogicDesignProject.pptx
@@ -5,20 +5,19 @@
     <p:sldMasterId id="2147483696" r:id="rId2"/>
   </p:sldMasterIdLst>
   <p:notesMasterIdLst>
-    <p:notesMasterId r:id="rId11"/>
+    <p:notesMasterId r:id="rId10"/>
   </p:notesMasterIdLst>
   <p:handoutMasterIdLst>
-    <p:handoutMasterId r:id="rId12"/>
+    <p:handoutMasterId r:id="rId11"/>
   </p:handoutMasterIdLst>
   <p:sldIdLst>
     <p:sldId id="304" r:id="rId3"/>
     <p:sldId id="322" r:id="rId4"/>
-    <p:sldId id="323" r:id="rId5"/>
-    <p:sldId id="324" r:id="rId6"/>
-    <p:sldId id="325" r:id="rId7"/>
-    <p:sldId id="326" r:id="rId8"/>
-    <p:sldId id="327" r:id="rId9"/>
-    <p:sldId id="328" r:id="rId10"/>
+    <p:sldId id="328" r:id="rId5"/>
+    <p:sldId id="329" r:id="rId6"/>
+    <p:sldId id="330" r:id="rId7"/>
+    <p:sldId id="331" r:id="rId8"/>
+    <p:sldId id="332" r:id="rId9"/>
   </p:sldIdLst>
   <p:sldSz cx="9144000" cy="6858000" type="screen4x3"/>
   <p:notesSz cx="7102475" cy="10233025"/>
@@ -241,7 +240,7 @@
           <a:p>
             <a:fld id="{68796EA6-6F25-4F19-87BA-7ADCC16DAEFF}" type="datetimeFigureOut">
               <a:rPr lang="en-US" smtClean="0"/>
-              <a:t>9/30/2022</a:t>
+              <a:t>24/10/2022</a:t>
             </a:fld>
             <a:endParaRPr lang="en-US" dirty="0"/>
           </a:p>
@@ -406,7 +405,7 @@
           <a:p>
             <a:fld id="{C39C172E-A8B5-46F6-B05C-DFA3E2E0F207}" type="datetimeFigureOut">
               <a:rPr lang="en-US" smtClean="0"/>
-              <a:t>9/30/2022</a:t>
+              <a:t>24/10/2022</a:t>
             </a:fld>
             <a:endParaRPr lang="en-US" dirty="0"/>
           </a:p>
@@ -470,38 +469,37 @@
           <a:p>
             <a:pPr lvl="0"/>
             <a:r>
-              <a:rPr lang="en-US" smtClean="0"/>
+              <a:rPr lang="en-US"/>
               <a:t>Click to edit Master text styles</a:t>
             </a:r>
           </a:p>
           <a:p>
             <a:pPr lvl="1"/>
             <a:r>
-              <a:rPr lang="en-US" smtClean="0"/>
+              <a:rPr lang="en-US"/>
               <a:t>Second level</a:t>
             </a:r>
           </a:p>
           <a:p>
             <a:pPr lvl="2"/>
             <a:r>
-              <a:rPr lang="en-US" smtClean="0"/>
+              <a:rPr lang="en-US"/>
               <a:t>Third level</a:t>
             </a:r>
           </a:p>
           <a:p>
             <a:pPr lvl="3"/>
             <a:r>
-              <a:rPr lang="en-US" smtClean="0"/>
+              <a:rPr lang="en-US"/>
               <a:t>Fourth level</a:t>
             </a:r>
           </a:p>
           <a:p>
             <a:pPr lvl="4"/>
             <a:r>
-              <a:rPr lang="en-US" smtClean="0"/>
+              <a:rPr lang="en-US"/>
               <a:t>Fifth level</a:t>
             </a:r>
-            <a:endParaRPr lang="en-US"/>
           </a:p>
         </p:txBody>
       </p:sp>
@@ -1358,10 +1356,9 @@
           </a:lstStyle>
           <a:p>
             <a:r>
-              <a:rPr kumimoji="0" lang="en-US" smtClean="0"/>
+              <a:rPr kumimoji="0" lang="en-US"/>
               <a:t>Click to edit Master subtitle style</a:t>
             </a:r>
-            <a:endParaRPr kumimoji="0" lang="en-US"/>
           </a:p>
         </p:txBody>
       </p:sp>
@@ -1395,10 +1392,9 @@
           </a:lstStyle>
           <a:p>
             <a:r>
-              <a:rPr kumimoji="0" lang="en-US" dirty="0" smtClean="0"/>
+              <a:rPr kumimoji="0" lang="en-US" dirty="0"/>
               <a:t>Click to edit Master title style</a:t>
             </a:r>
-            <a:endParaRPr kumimoji="0" lang="en-US" dirty="0"/>
           </a:p>
         </p:txBody>
       </p:sp>
@@ -1461,7 +1457,7 @@
           <a:p>
             <a:fld id="{7B7FA170-8299-44AD-AEEF-FC686C3D7804}" type="datetime1">
               <a:rPr lang="en-US" smtClean="0"/>
-              <a:t>9/30/2022</a:t>
+              <a:t>24/10/2022</a:t>
             </a:fld>
             <a:endParaRPr lang="en-US" dirty="0"/>
           </a:p>
@@ -1526,35 +1522,35 @@
           <a:p>
             <a:pPr lvl="0" eaLnBrk="1" latinLnBrk="0" hangingPunct="1"/>
             <a:r>
-              <a:rPr lang="en-US" smtClean="0"/>
+              <a:rPr lang="en-US"/>
               <a:t>Click to edit Master text styles</a:t>
             </a:r>
           </a:p>
           <a:p>
             <a:pPr lvl="1" eaLnBrk="1" latinLnBrk="0" hangingPunct="1"/>
             <a:r>
-              <a:rPr lang="en-US" smtClean="0"/>
+              <a:rPr lang="en-US"/>
               <a:t>Second level</a:t>
             </a:r>
           </a:p>
           <a:p>
             <a:pPr lvl="2" eaLnBrk="1" latinLnBrk="0" hangingPunct="1"/>
             <a:r>
-              <a:rPr lang="en-US" smtClean="0"/>
+              <a:rPr lang="en-US"/>
               <a:t>Third level</a:t>
             </a:r>
           </a:p>
           <a:p>
             <a:pPr lvl="3" eaLnBrk="1" latinLnBrk="0" hangingPunct="1"/>
             <a:r>
-              <a:rPr lang="en-US" smtClean="0"/>
+              <a:rPr lang="en-US"/>
               <a:t>Fourth level</a:t>
             </a:r>
           </a:p>
           <a:p>
             <a:pPr lvl="4" eaLnBrk="1" latinLnBrk="0" hangingPunct="1"/>
             <a:r>
-              <a:rPr lang="en-US" smtClean="0"/>
+              <a:rPr lang="en-US"/>
               <a:t>Fifth level</a:t>
             </a:r>
             <a:endParaRPr kumimoji="0" lang="en-US"/>
@@ -1577,10 +1573,9 @@
           <a:lstStyle/>
           <a:p>
             <a:r>
-              <a:rPr kumimoji="0" lang="en-US" smtClean="0"/>
+              <a:rPr kumimoji="0" lang="en-US"/>
               <a:t>Click to edit Master title style</a:t>
             </a:r>
-            <a:endParaRPr kumimoji="0" lang="en-US"/>
           </a:p>
         </p:txBody>
       </p:sp>
@@ -1643,7 +1638,7 @@
           <a:p>
             <a:fld id="{2231763A-68EC-4ECD-9620-D9FE9CDDD622}" type="datetime1">
               <a:rPr lang="en-US" smtClean="0"/>
-              <a:t>9/30/2022</a:t>
+              <a:t>24/10/2022</a:t>
             </a:fld>
             <a:endParaRPr lang="en-US" dirty="0"/>
           </a:p>
@@ -1713,35 +1708,35 @@
           <a:p>
             <a:pPr lvl="0" eaLnBrk="1" latinLnBrk="0" hangingPunct="1"/>
             <a:r>
-              <a:rPr lang="en-US" smtClean="0"/>
+              <a:rPr lang="en-US"/>
               <a:t>Click to edit Master text styles</a:t>
             </a:r>
           </a:p>
           <a:p>
             <a:pPr lvl="1" eaLnBrk="1" latinLnBrk="0" hangingPunct="1"/>
             <a:r>
-              <a:rPr lang="en-US" smtClean="0"/>
+              <a:rPr lang="en-US"/>
               <a:t>Second level</a:t>
             </a:r>
           </a:p>
           <a:p>
             <a:pPr lvl="2" eaLnBrk="1" latinLnBrk="0" hangingPunct="1"/>
             <a:r>
-              <a:rPr lang="en-US" smtClean="0"/>
+              <a:rPr lang="en-US"/>
               <a:t>Third level</a:t>
             </a:r>
           </a:p>
           <a:p>
             <a:pPr lvl="3" eaLnBrk="1" latinLnBrk="0" hangingPunct="1"/>
             <a:r>
-              <a:rPr lang="en-US" smtClean="0"/>
+              <a:rPr lang="en-US"/>
               <a:t>Fourth level</a:t>
             </a:r>
           </a:p>
           <a:p>
             <a:pPr lvl="4" eaLnBrk="1" latinLnBrk="0" hangingPunct="1"/>
             <a:r>
-              <a:rPr lang="en-US" smtClean="0"/>
+              <a:rPr lang="en-US"/>
               <a:t>Fifth level</a:t>
             </a:r>
             <a:endParaRPr kumimoji="0" lang="en-US"/>
@@ -1769,10 +1764,9 @@
           <a:lstStyle/>
           <a:p>
             <a:r>
-              <a:rPr kumimoji="0" lang="en-US" smtClean="0"/>
+              <a:rPr kumimoji="0" lang="en-US"/>
               <a:t>Click to edit Master title style</a:t>
             </a:r>
-            <a:endParaRPr kumimoji="0" lang="en-US"/>
           </a:p>
         </p:txBody>
       </p:sp>
@@ -1892,92 +1886,92 @@
           <a:p>
             <a:pPr lvl="0" eaLnBrk="1" latinLnBrk="0" hangingPunct="1"/>
             <a:r>
-              <a:rPr lang="en-US" dirty="0" smtClean="0"/>
+              <a:rPr lang="en-US" dirty="0"/>
               <a:t>General Information</a:t>
             </a:r>
           </a:p>
           <a:p>
             <a:pPr lvl="1" eaLnBrk="1" latinLnBrk="0" hangingPunct="1"/>
             <a:r>
-              <a:rPr lang="en-US" dirty="0" smtClean="0"/>
+              <a:rPr lang="en-US" dirty="0"/>
               <a:t>CSE 504003</a:t>
             </a:r>
           </a:p>
           <a:p>
             <a:pPr lvl="1" eaLnBrk="1" latinLnBrk="0" hangingPunct="1"/>
             <a:r>
-              <a:rPr lang="en-US" dirty="0" smtClean="0"/>
+              <a:rPr lang="en-US" dirty="0"/>
               <a:t>3 credits</a:t>
             </a:r>
           </a:p>
           <a:p>
             <a:pPr lvl="1" eaLnBrk="1" latinLnBrk="0" hangingPunct="1"/>
-            <a:endParaRPr lang="en-US" dirty="0" smtClean="0"/>
+            <a:endParaRPr lang="en-US" dirty="0"/>
           </a:p>
           <a:p>
             <a:pPr lvl="0" eaLnBrk="1" latinLnBrk="0" hangingPunct="1"/>
             <a:r>
-              <a:rPr lang="en-US" dirty="0" smtClean="0"/>
+              <a:rPr lang="en-US" dirty="0"/>
               <a:t>Coordinator </a:t>
             </a:r>
           </a:p>
           <a:p>
             <a:pPr lvl="1"/>
             <a:r>
-              <a:rPr lang="en-US" dirty="0" smtClean="0"/>
+              <a:rPr lang="en-US" dirty="0"/>
               <a:t>Pham Hoang </a:t>
             </a:r>
             <a:r>
-              <a:rPr lang="en-US" dirty="0" err="1" smtClean="0"/>
+              <a:rPr lang="en-US" dirty="0" err="1"/>
               <a:t>Anh</a:t>
             </a:r>
-            <a:endParaRPr lang="en-US" dirty="0" smtClean="0"/>
+            <a:endParaRPr lang="en-US" dirty="0"/>
           </a:p>
           <a:p>
             <a:pPr lvl="1"/>
             <a:r>
-              <a:rPr lang="en-US" dirty="0" smtClean="0"/>
+              <a:rPr lang="en-US" dirty="0"/>
               <a:t>Dept. Computer Engineering, Faculty of Computer Science and Engineering, HCMC Uni. Of Technology </a:t>
             </a:r>
           </a:p>
           <a:p>
             <a:pPr lvl="1"/>
             <a:r>
-              <a:rPr lang="en-US" dirty="0" smtClean="0"/>
+              <a:rPr lang="en-US" dirty="0"/>
               <a:t>Email: </a:t>
             </a:r>
             <a:r>
-              <a:rPr lang="en-US" dirty="0" smtClean="0">
+              <a:rPr lang="en-US" dirty="0">
                 <a:hlinkClick r:id="rId2"/>
               </a:rPr>
               <a:t>anhpham@cse.hcmut.edu.vn</a:t>
             </a:r>
             <a:r>
-              <a:rPr lang="en-US" dirty="0" smtClean="0"/>
+              <a:rPr lang="en-US" dirty="0"/>
               <a:t> </a:t>
             </a:r>
           </a:p>
           <a:p>
             <a:pPr lvl="1"/>
             <a:r>
-              <a:rPr lang="en-US" dirty="0" smtClean="0"/>
+              <a:rPr lang="en-US" dirty="0"/>
               <a:t>Phone: (08)38647256 (Ext. 5843)</a:t>
             </a:r>
           </a:p>
           <a:p>
             <a:pPr lvl="1"/>
             <a:r>
-              <a:rPr lang="en-US" dirty="0" smtClean="0"/>
+              <a:rPr lang="en-US" dirty="0"/>
               <a:t>Homepage: </a:t>
             </a:r>
             <a:r>
-              <a:rPr lang="en-US" dirty="0" smtClean="0">
+              <a:rPr lang="en-US" dirty="0">
                 <a:hlinkClick r:id="rId3"/>
               </a:rPr>
               <a:t>www.cse.hcmut.edu.vn/~anhpham</a:t>
             </a:r>
             <a:r>
-              <a:rPr lang="en-US" dirty="0" smtClean="0"/>
+              <a:rPr lang="en-US" dirty="0"/>
               <a:t> </a:t>
             </a:r>
           </a:p>
@@ -2013,10 +2007,9 @@
           </a:lstStyle>
           <a:p>
             <a:r>
-              <a:rPr kumimoji="0" lang="en-US" dirty="0" smtClean="0"/>
+              <a:rPr kumimoji="0" lang="en-US" dirty="0"/>
               <a:t>Click to edit Master title style</a:t>
             </a:r>
-            <a:endParaRPr kumimoji="0" lang="en-US" dirty="0"/>
           </a:p>
         </p:txBody>
       </p:sp>
@@ -2125,7 +2118,7 @@
           <a:p>
             <a:fld id="{0AAE819F-B7FD-4B29-8F66-9E318144BC2A}" type="datetime1">
               <a:rPr lang="en-US" smtClean="0"/>
-              <a:t>9/30/2022</a:t>
+              <a:t>24/10/2022</a:t>
             </a:fld>
             <a:endParaRPr lang="en-US" dirty="0"/>
           </a:p>
@@ -2244,7 +2237,7 @@
           <a:p>
             <a:pPr lvl="0" eaLnBrk="1" latinLnBrk="0" hangingPunct="1"/>
             <a:r>
-              <a:rPr kumimoji="0" lang="en-US" smtClean="0"/>
+              <a:rPr kumimoji="0" lang="en-US"/>
               <a:t>Click to edit Master text styles</a:t>
             </a:r>
           </a:p>
@@ -2291,7 +2284,7 @@
           </a:lstStyle>
           <a:p>
             <a:r>
-              <a:rPr kumimoji="0" lang="en-US" smtClean="0"/>
+              <a:rPr kumimoji="0" lang="en-US"/>
               <a:t>Click to edit Master title style</a:t>
             </a:r>
             <a:endParaRPr kumimoji="0" lang="en-US" dirty="0"/>
@@ -2357,7 +2350,7 @@
           <a:p>
             <a:fld id="{D4CA159C-B6E0-4F10-9F4A-2FA57003B139}" type="datetime1">
               <a:rPr lang="en-US" smtClean="0"/>
-              <a:t>9/30/2022</a:t>
+              <a:t>24/10/2022</a:t>
             </a:fld>
             <a:endParaRPr lang="en-US" dirty="0"/>
           </a:p>
@@ -2443,35 +2436,35 @@
           <a:p>
             <a:pPr lvl="0" eaLnBrk="1" latinLnBrk="0" hangingPunct="1"/>
             <a:r>
-              <a:rPr lang="en-US" smtClean="0"/>
+              <a:rPr lang="en-US"/>
               <a:t>Click to edit Master text styles</a:t>
             </a:r>
           </a:p>
           <a:p>
             <a:pPr lvl="1" eaLnBrk="1" latinLnBrk="0" hangingPunct="1"/>
             <a:r>
-              <a:rPr lang="en-US" smtClean="0"/>
+              <a:rPr lang="en-US"/>
               <a:t>Second level</a:t>
             </a:r>
           </a:p>
           <a:p>
             <a:pPr lvl="2" eaLnBrk="1" latinLnBrk="0" hangingPunct="1"/>
             <a:r>
-              <a:rPr lang="en-US" smtClean="0"/>
+              <a:rPr lang="en-US"/>
               <a:t>Third level</a:t>
             </a:r>
           </a:p>
           <a:p>
             <a:pPr lvl="3" eaLnBrk="1" latinLnBrk="0" hangingPunct="1"/>
             <a:r>
-              <a:rPr lang="en-US" smtClean="0"/>
+              <a:rPr lang="en-US"/>
               <a:t>Fourth level</a:t>
             </a:r>
           </a:p>
           <a:p>
             <a:pPr lvl="4" eaLnBrk="1" latinLnBrk="0" hangingPunct="1"/>
             <a:r>
-              <a:rPr lang="en-US" smtClean="0"/>
+              <a:rPr lang="en-US"/>
               <a:t>Fifth level</a:t>
             </a:r>
             <a:endParaRPr kumimoji="0" lang="en-US"/>
@@ -2516,35 +2509,35 @@
           <a:p>
             <a:pPr lvl="0" eaLnBrk="1" latinLnBrk="0" hangingPunct="1"/>
             <a:r>
-              <a:rPr lang="en-US" smtClean="0"/>
+              <a:rPr lang="en-US"/>
               <a:t>Click to edit Master text styles</a:t>
             </a:r>
           </a:p>
           <a:p>
             <a:pPr lvl="1" eaLnBrk="1" latinLnBrk="0" hangingPunct="1"/>
             <a:r>
-              <a:rPr lang="en-US" smtClean="0"/>
+              <a:rPr lang="en-US"/>
               <a:t>Second level</a:t>
             </a:r>
           </a:p>
           <a:p>
             <a:pPr lvl="2" eaLnBrk="1" latinLnBrk="0" hangingPunct="1"/>
             <a:r>
-              <a:rPr lang="en-US" smtClean="0"/>
+              <a:rPr lang="en-US"/>
               <a:t>Third level</a:t>
             </a:r>
           </a:p>
           <a:p>
             <a:pPr lvl="3" eaLnBrk="1" latinLnBrk="0" hangingPunct="1"/>
             <a:r>
-              <a:rPr lang="en-US" smtClean="0"/>
+              <a:rPr lang="en-US"/>
               <a:t>Fourth level</a:t>
             </a:r>
           </a:p>
           <a:p>
             <a:pPr lvl="4" eaLnBrk="1" latinLnBrk="0" hangingPunct="1"/>
             <a:r>
-              <a:rPr lang="en-US" smtClean="0"/>
+              <a:rPr lang="en-US"/>
               <a:t>Fifth level</a:t>
             </a:r>
             <a:endParaRPr kumimoji="0" lang="en-US"/>
@@ -2567,10 +2560,9 @@
           <a:lstStyle/>
           <a:p>
             <a:r>
-              <a:rPr kumimoji="0" lang="en-US" smtClean="0"/>
+              <a:rPr kumimoji="0" lang="en-US"/>
               <a:t>Click to edit Master title style</a:t>
             </a:r>
-            <a:endParaRPr kumimoji="0" lang="en-US"/>
           </a:p>
         </p:txBody>
       </p:sp>
@@ -2596,7 +2588,7 @@
       </p:transition>
     </mc:Fallback>
   </mc:AlternateContent>
-  <p:extLst mod="1">
+  <p:extLst>
     <p:ext uri="{DCECCB84-F9BA-43D5-87BE-67443E8EF086}">
       <p15:sldGuideLst xmlns:p15="http://schemas.microsoft.com/office/powerpoint/2012/main">
         <p15:guide id="0" orient="horz" pos="2160" userDrawn="1">
@@ -2649,7 +2641,7 @@
           <a:p>
             <a:fld id="{8170CBBB-D1D1-4386-A5E9-07F3477B78F3}" type="datetime1">
               <a:rPr lang="en-US" smtClean="0"/>
-              <a:t>9/30/2022</a:t>
+              <a:t>24/10/2022</a:t>
             </a:fld>
             <a:endParaRPr lang="en-US" dirty="0"/>
           </a:p>
@@ -2735,35 +2727,35 @@
           <a:p>
             <a:pPr lvl="0" eaLnBrk="1" latinLnBrk="0" hangingPunct="1"/>
             <a:r>
-              <a:rPr lang="en-US" smtClean="0"/>
+              <a:rPr lang="en-US"/>
               <a:t>Click to edit Master text styles</a:t>
             </a:r>
           </a:p>
           <a:p>
             <a:pPr lvl="1" eaLnBrk="1" latinLnBrk="0" hangingPunct="1"/>
             <a:r>
-              <a:rPr lang="en-US" smtClean="0"/>
+              <a:rPr lang="en-US"/>
               <a:t>Second level</a:t>
             </a:r>
           </a:p>
           <a:p>
             <a:pPr lvl="2" eaLnBrk="1" latinLnBrk="0" hangingPunct="1"/>
             <a:r>
-              <a:rPr lang="en-US" smtClean="0"/>
+              <a:rPr lang="en-US"/>
               <a:t>Third level</a:t>
             </a:r>
           </a:p>
           <a:p>
             <a:pPr lvl="3" eaLnBrk="1" latinLnBrk="0" hangingPunct="1"/>
             <a:r>
-              <a:rPr lang="en-US" smtClean="0"/>
+              <a:rPr lang="en-US"/>
               <a:t>Fourth level</a:t>
             </a:r>
           </a:p>
           <a:p>
             <a:pPr lvl="4" eaLnBrk="1" latinLnBrk="0" hangingPunct="1"/>
             <a:r>
-              <a:rPr lang="en-US" smtClean="0"/>
+              <a:rPr lang="en-US"/>
               <a:t>Fifth level</a:t>
             </a:r>
             <a:endParaRPr kumimoji="0" lang="en-US"/>
@@ -2833,7 +2825,7 @@
           <a:p>
             <a:pPr lvl="0" eaLnBrk="1" latinLnBrk="0" hangingPunct="1"/>
             <a:r>
-              <a:rPr kumimoji="0" lang="en-US" smtClean="0"/>
+              <a:rPr kumimoji="0" lang="en-US"/>
               <a:t>Click to edit Master text styles</a:t>
             </a:r>
           </a:p>
@@ -2877,35 +2869,35 @@
           <a:p>
             <a:pPr lvl="0" eaLnBrk="1" latinLnBrk="0" hangingPunct="1"/>
             <a:r>
-              <a:rPr lang="en-US" smtClean="0"/>
+              <a:rPr lang="en-US"/>
               <a:t>Click to edit Master text styles</a:t>
             </a:r>
           </a:p>
           <a:p>
             <a:pPr lvl="1" eaLnBrk="1" latinLnBrk="0" hangingPunct="1"/>
             <a:r>
-              <a:rPr lang="en-US" smtClean="0"/>
+              <a:rPr lang="en-US"/>
               <a:t>Second level</a:t>
             </a:r>
           </a:p>
           <a:p>
             <a:pPr lvl="2" eaLnBrk="1" latinLnBrk="0" hangingPunct="1"/>
             <a:r>
-              <a:rPr lang="en-US" smtClean="0"/>
+              <a:rPr lang="en-US"/>
               <a:t>Third level</a:t>
             </a:r>
           </a:p>
           <a:p>
             <a:pPr lvl="3" eaLnBrk="1" latinLnBrk="0" hangingPunct="1"/>
             <a:r>
-              <a:rPr lang="en-US" smtClean="0"/>
+              <a:rPr lang="en-US"/>
               <a:t>Fourth level</a:t>
             </a:r>
           </a:p>
           <a:p>
             <a:pPr lvl="4" eaLnBrk="1" latinLnBrk="0" hangingPunct="1"/>
             <a:r>
-              <a:rPr lang="en-US" smtClean="0"/>
+              <a:rPr lang="en-US"/>
               <a:t>Fifth level</a:t>
             </a:r>
             <a:endParaRPr kumimoji="0" lang="en-US"/>
@@ -2975,7 +2967,7 @@
           <a:p>
             <a:pPr lvl="0" eaLnBrk="1" latinLnBrk="0" hangingPunct="1"/>
             <a:r>
-              <a:rPr kumimoji="0" lang="en-US" smtClean="0"/>
+              <a:rPr kumimoji="0" lang="en-US"/>
               <a:t>Click to edit Master text styles</a:t>
             </a:r>
           </a:p>
@@ -3006,10 +2998,9 @@
           </a:lstStyle>
           <a:p>
             <a:r>
-              <a:rPr kumimoji="0" lang="en-US" smtClean="0"/>
+              <a:rPr kumimoji="0" lang="en-US"/>
               <a:t>Click to edit Master title style</a:t>
             </a:r>
-            <a:endParaRPr kumimoji="0" lang="en-US"/>
           </a:p>
         </p:txBody>
       </p:sp>
@@ -3077,7 +3068,7 @@
           <a:p>
             <a:fld id="{9FA4CAD8-0EA7-4615-B69B-B2F199EF3A93}" type="datetime1">
               <a:rPr lang="en-US" smtClean="0"/>
-              <a:t>9/30/2022</a:t>
+              <a:t>24/10/2022</a:t>
             </a:fld>
             <a:endParaRPr lang="en-US" dirty="0"/>
           </a:p>
@@ -3164,10 +3155,9 @@
           </a:lstStyle>
           <a:p>
             <a:r>
-              <a:rPr kumimoji="0" lang="en-US" smtClean="0"/>
+              <a:rPr kumimoji="0" lang="en-US"/>
               <a:t>Click to edit Master title style</a:t>
             </a:r>
-            <a:endParaRPr kumimoji="0" lang="en-US"/>
           </a:p>
         </p:txBody>
       </p:sp>
@@ -3230,7 +3220,7 @@
           <a:p>
             <a:fld id="{B9234BD7-6953-492C-921B-E68B2D7F14C8}" type="datetime1">
               <a:rPr lang="en-US" smtClean="0"/>
-              <a:t>9/30/2022</a:t>
+              <a:t>24/10/2022</a:t>
             </a:fld>
             <a:endParaRPr lang="en-US" dirty="0"/>
           </a:p>
@@ -3337,7 +3327,7 @@
           <a:p>
             <a:fld id="{35A17D9B-D4D3-4E23-88DF-2E354FA43196}" type="datetime1">
               <a:rPr lang="en-US" smtClean="0"/>
-              <a:t>9/30/2022</a:t>
+              <a:t>24/10/2022</a:t>
             </a:fld>
             <a:endParaRPr lang="en-US" dirty="0"/>
           </a:p>
@@ -3423,35 +3413,35 @@
           <a:p>
             <a:pPr lvl="0" eaLnBrk="1" latinLnBrk="0" hangingPunct="1"/>
             <a:r>
-              <a:rPr lang="en-US" smtClean="0"/>
+              <a:rPr lang="en-US"/>
               <a:t>Click to edit Master text styles</a:t>
             </a:r>
           </a:p>
           <a:p>
             <a:pPr lvl="1" eaLnBrk="1" latinLnBrk="0" hangingPunct="1"/>
             <a:r>
-              <a:rPr lang="en-US" smtClean="0"/>
+              <a:rPr lang="en-US"/>
               <a:t>Second level</a:t>
             </a:r>
           </a:p>
           <a:p>
             <a:pPr lvl="2" eaLnBrk="1" latinLnBrk="0" hangingPunct="1"/>
             <a:r>
-              <a:rPr lang="en-US" smtClean="0"/>
+              <a:rPr lang="en-US"/>
               <a:t>Third level</a:t>
             </a:r>
           </a:p>
           <a:p>
             <a:pPr lvl="3" eaLnBrk="1" latinLnBrk="0" hangingPunct="1"/>
             <a:r>
-              <a:rPr lang="en-US" smtClean="0"/>
+              <a:rPr lang="en-US"/>
               <a:t>Fourth level</a:t>
             </a:r>
           </a:p>
           <a:p>
             <a:pPr lvl="4" eaLnBrk="1" latinLnBrk="0" hangingPunct="1"/>
             <a:r>
-              <a:rPr lang="en-US" smtClean="0"/>
+              <a:rPr lang="en-US"/>
               <a:t>Fifth level</a:t>
             </a:r>
             <a:endParaRPr kumimoji="0" lang="en-US"/>
@@ -3501,7 +3491,7 @@
           <a:p>
             <a:pPr lvl="0" eaLnBrk="1" latinLnBrk="0" hangingPunct="1"/>
             <a:r>
-              <a:rPr kumimoji="0" lang="en-US" smtClean="0"/>
+              <a:rPr kumimoji="0" lang="en-US"/>
               <a:t>Click to edit Master text styles</a:t>
             </a:r>
           </a:p>
@@ -3533,10 +3523,9 @@
           </a:lstStyle>
           <a:p>
             <a:r>
-              <a:rPr kumimoji="0" lang="en-US" smtClean="0"/>
+              <a:rPr kumimoji="0" lang="en-US"/>
               <a:t>Click to edit Master title style</a:t>
             </a:r>
-            <a:endParaRPr kumimoji="0" lang="en-US"/>
           </a:p>
         </p:txBody>
       </p:sp>
@@ -3599,7 +3588,7 @@
           <a:p>
             <a:fld id="{541F67C5-D04E-4576-B61C-12ABA14BBD6C}" type="datetime1">
               <a:rPr lang="en-US" smtClean="0"/>
-              <a:t>9/30/2022</a:t>
+              <a:t>24/10/2022</a:t>
             </a:fld>
             <a:endParaRPr lang="en-US" dirty="0"/>
           </a:p>
@@ -3701,7 +3690,7 @@
           </a:lstStyle>
           <a:p>
             <a:r>
-              <a:rPr kumimoji="0" lang="en-US" smtClean="0"/>
+              <a:rPr kumimoji="0" lang="en-US"/>
               <a:t>Click icon to add picture</a:t>
             </a:r>
             <a:endParaRPr kumimoji="0" lang="en-US" dirty="0"/>
@@ -3762,7 +3751,7 @@
           <a:p>
             <a:pPr lvl="0" eaLnBrk="1" latinLnBrk="0" hangingPunct="1"/>
             <a:r>
-              <a:rPr kumimoji="0" lang="en-US" smtClean="0"/>
+              <a:rPr kumimoji="0" lang="en-US"/>
               <a:t>Click to edit Master text styles</a:t>
             </a:r>
           </a:p>
@@ -3794,10 +3783,9 @@
           </a:lstStyle>
           <a:p>
             <a:r>
-              <a:rPr kumimoji="0" lang="en-US" smtClean="0"/>
+              <a:rPr kumimoji="0" lang="en-US"/>
               <a:t>Click to edit Master title style</a:t>
             </a:r>
-            <a:endParaRPr kumimoji="0" lang="en-US"/>
           </a:p>
         </p:txBody>
       </p:sp>
@@ -4499,7 +4487,7 @@
           <a:p>
             <a:fld id="{C20F09E4-6EA4-4BF3-9FC8-FF40373B88E6}" type="datetime1">
               <a:rPr lang="en-US" smtClean="0"/>
-              <a:t>9/30/2022</a:t>
+              <a:t>24/10/2022</a:t>
             </a:fld>
             <a:endParaRPr lang="en-US" dirty="0"/>
           </a:p>
@@ -4606,35 +4594,35 @@
           <a:p>
             <a:pPr lvl="0"/>
             <a:r>
-              <a:rPr lang="en-US" smtClean="0"/>
+              <a:rPr lang="en-US"/>
               <a:t>Click to edit Master text styles</a:t>
             </a:r>
           </a:p>
           <a:p>
             <a:pPr lvl="1"/>
             <a:r>
-              <a:rPr lang="en-US" smtClean="0"/>
+              <a:rPr lang="en-US"/>
               <a:t>Second level</a:t>
             </a:r>
           </a:p>
           <a:p>
             <a:pPr lvl="2"/>
             <a:r>
-              <a:rPr lang="en-US" smtClean="0"/>
+              <a:rPr lang="en-US"/>
               <a:t>Third level</a:t>
             </a:r>
           </a:p>
           <a:p>
             <a:pPr lvl="3"/>
             <a:r>
-              <a:rPr lang="en-US" smtClean="0"/>
+              <a:rPr lang="en-US"/>
               <a:t>Fourth level</a:t>
             </a:r>
           </a:p>
           <a:p>
             <a:pPr lvl="4"/>
             <a:r>
-              <a:rPr lang="en-US" smtClean="0"/>
+              <a:rPr lang="en-US"/>
               <a:t>Fifth level</a:t>
             </a:r>
             <a:endParaRPr lang="en-US" dirty="0"/>
@@ -4667,7 +4655,7 @@
           <a:lstStyle/>
           <a:p>
             <a:r>
-              <a:rPr kumimoji="0" lang="en-US" smtClean="0"/>
+              <a:rPr kumimoji="0" lang="en-US"/>
               <a:t>Click to edit Master title style</a:t>
             </a:r>
             <a:endParaRPr kumimoji="0" lang="en-US" dirty="0"/>
@@ -4707,13 +4695,6 @@
       </p:transition>
     </mc:Fallback>
   </mc:AlternateContent>
-  <p:timing>
-    <p:tnLst>
-      <p:par>
-        <p:cTn id="1" dur="indefinite" restart="never" nodeType="tmRoot"/>
-      </p:par>
-    </p:tnLst>
-  </p:timing>
   <p:hf sldNum="0" hdr="0" ftr="0" dt="0"/>
   <p:txStyles>
     <p:titleStyle>
@@ -4989,7 +4970,7 @@
       </a:lvl9pPr>
     </p:otherStyle>
   </p:txStyles>
-  <p:extLst mod="1">
+  <p:extLst>
     <p:ext uri="{27BBF7A9-308A-43DC-89C8-2F10F3537804}">
       <p15:sldGuideLst xmlns:p15="http://schemas.microsoft.com/office/powerpoint/2012/main">
         <p15:guide id="0" orient="horz" pos="2160" userDrawn="1">
@@ -5054,18 +5035,18 @@
           <a:p>
             <a:pPr algn="ctr"/>
             <a:r>
-              <a:rPr lang="en-US" dirty="0" smtClean="0"/>
+              <a:rPr lang="en-US" dirty="0"/>
               <a:t>Logic Design Project</a:t>
             </a:r>
             <a:br>
-              <a:rPr lang="en-US" dirty="0" smtClean="0"/>
+              <a:rPr lang="en-US" dirty="0"/>
             </a:br>
             <a:r>
-              <a:rPr lang="en-US" dirty="0" smtClean="0"/>
+              <a:rPr lang="en-US" dirty="0"/>
               <a:t>Expansion Shield for STM </a:t>
             </a:r>
             <a:r>
-              <a:rPr lang="en-US" dirty="0" err="1" smtClean="0"/>
+              <a:rPr lang="en-US" dirty="0" err="1"/>
               <a:t>Nucleo</a:t>
             </a:r>
             <a:endParaRPr lang="en-US" dirty="0"/>
@@ -5215,13 +5196,6 @@
       </p:transition>
     </mc:Fallback>
   </mc:AlternateContent>
-  <p:timing>
-    <p:tnLst>
-      <p:par>
-        <p:cTn id="1" dur="indefinite" restart="never" nodeType="tmRoot"/>
-      </p:par>
-    </p:tnLst>
-  </p:timing>
 </p:sld>
 </file>
 
@@ -5260,44 +5234,36 @@
           <a:lstStyle/>
           <a:p>
             <a:r>
-              <a:rPr lang="en-US" dirty="0" smtClean="0"/>
+              <a:rPr lang="en-US" dirty="0"/>
               <a:t>In this project, 3 main tasks are proposed:</a:t>
             </a:r>
           </a:p>
           <a:p>
             <a:pPr lvl="1"/>
             <a:r>
-              <a:rPr lang="en-US" dirty="0" smtClean="0"/>
+              <a:rPr lang="en-US" dirty="0"/>
               <a:t>Schematic design in </a:t>
             </a:r>
             <a:r>
-              <a:rPr lang="en-US" dirty="0" err="1" smtClean="0"/>
+              <a:rPr lang="en-US" dirty="0" err="1"/>
               <a:t>Altium</a:t>
             </a:r>
             <a:r>
-              <a:rPr lang="en-US" dirty="0" smtClean="0"/>
+              <a:rPr lang="en-US" dirty="0"/>
               <a:t> Designer</a:t>
             </a:r>
           </a:p>
           <a:p>
             <a:pPr lvl="1"/>
             <a:r>
-              <a:rPr lang="en-US" dirty="0" smtClean="0"/>
-              <a:t>PCB Layout </a:t>
-            </a:r>
-            <a:r>
               <a:rPr lang="en-US" dirty="0"/>
-              <a:t>and </a:t>
-            </a:r>
-            <a:r>
-              <a:rPr lang="en-US" dirty="0" smtClean="0"/>
-              <a:t>Circuit Assembly</a:t>
+              <a:t>PCB Layout and Circuit Assembly</a:t>
             </a:r>
           </a:p>
           <a:p>
             <a:pPr lvl="1"/>
             <a:r>
-              <a:rPr lang="en-US" dirty="0" smtClean="0"/>
+              <a:rPr lang="en-US" dirty="0"/>
               <a:t>Device driver programming</a:t>
             </a:r>
           </a:p>
@@ -5305,48 +5271,10 @@
             <a:pPr marL="411470" lvl="1" indent="0">
               <a:buNone/>
             </a:pPr>
-            <a:endParaRPr lang="en-US" dirty="0" smtClean="0"/>
-          </a:p>
-          <a:p>
-            <a:pPr algn="just"/>
-            <a:r>
-              <a:rPr lang="en-US" dirty="0" smtClean="0"/>
-              <a:t>A template for PCB design is supported for students. This template provides the interface of the shield when it is stacked in the </a:t>
-            </a:r>
-            <a:r>
-              <a:rPr lang="en-US" dirty="0" err="1" smtClean="0"/>
-              <a:t>Nucleo</a:t>
-            </a:r>
-            <a:r>
-              <a:rPr lang="en-US" dirty="0" smtClean="0"/>
-              <a:t> board (using STM32F103)</a:t>
-            </a:r>
-          </a:p>
-          <a:p>
-            <a:pPr algn="just"/>
-            <a:r>
-              <a:rPr lang="en-US" dirty="0" smtClean="0"/>
-              <a:t>Basically, a shield is composed of LEDs, LED 7s, LED Matrixes and Buttons</a:t>
-            </a:r>
-          </a:p>
-          <a:p>
             <a:endParaRPr lang="en-US" dirty="0"/>
           </a:p>
           <a:p>
-            <a:r>
-              <a:rPr lang="en-US" dirty="0" smtClean="0"/>
-              <a:t>A group of 2 – 3 students</a:t>
-            </a:r>
-          </a:p>
-          <a:p>
-            <a:pPr lvl="1"/>
-            <a:r>
-              <a:rPr lang="en-US" dirty="0" smtClean="0"/>
-              <a:t>Required points = number of student * 2</a:t>
-            </a:r>
-          </a:p>
-          <a:p>
-            <a:endParaRPr lang="en-US" dirty="0" smtClean="0"/>
+            <a:endParaRPr lang="en-US" dirty="0"/>
           </a:p>
         </p:txBody>
       </p:sp>
@@ -5366,10 +5294,9 @@
           <a:lstStyle/>
           <a:p>
             <a:r>
-              <a:rPr lang="en-US" dirty="0" smtClean="0"/>
+              <a:rPr lang="en-US" dirty="0"/>
               <a:t>Project Overview</a:t>
             </a:r>
-            <a:endParaRPr lang="en-US" dirty="0"/>
           </a:p>
         </p:txBody>
       </p:sp>
@@ -5383,13 +5310,13 @@
   <p:clrMapOvr>
     <a:masterClrMapping/>
   </p:clrMapOvr>
-  <mc:AlternateContent xmlns:mc="http://schemas.openxmlformats.org/markup-compatibility/2006">
-    <mc:Choice xmlns:p14="http://schemas.microsoft.com/office/powerpoint/2010/main" Requires="p14">
+  <mc:AlternateContent xmlns:mc="http://schemas.openxmlformats.org/markup-compatibility/2006" xmlns:p14="http://schemas.microsoft.com/office/powerpoint/2010/main">
+    <mc:Choice Requires="p14">
       <p:transition spd="med" p14:dur="700">
         <p:fade/>
       </p:transition>
     </mc:Choice>
-    <mc:Fallback>
+    <mc:Fallback xmlns="">
       <p:transition spd="med">
         <p:fade/>
       </p:transition>
@@ -5431,20 +5358,8 @@
           <a:lstStyle/>
           <a:p>
             <a:r>
-              <a:rPr lang="en-US" dirty="0" smtClean="0"/>
-              <a:t>This shield has 12 single LEDs (3mm or 5mm in size) and 3 buttons.</a:t>
-            </a:r>
-          </a:p>
-          <a:p>
-            <a:r>
-              <a:rPr lang="en-US" dirty="0" smtClean="0"/>
-              <a:t>12 LEDs represent 12 numbers in a digital clock</a:t>
-            </a:r>
-          </a:p>
-          <a:p>
-            <a:r>
-              <a:rPr lang="en-US" dirty="0" smtClean="0"/>
-              <a:t>1 button for mode and 2 others for up and down</a:t>
+              <a:rPr lang="en-US" dirty="0"/>
+              <a:t>I2C connections</a:t>
             </a:r>
           </a:p>
         </p:txBody>
@@ -5465,502 +5380,9 @@
           <a:lstStyle/>
           <a:p>
             <a:r>
-              <a:rPr lang="en-US" dirty="0" smtClean="0"/>
-              <a:t>Digital Clock Shield (2 points)</a:t>
-            </a:r>
-            <a:endParaRPr lang="en-US" dirty="0"/>
-          </a:p>
-        </p:txBody>
-      </p:sp>
-    </p:spTree>
-    <p:extLst>
-      <p:ext uri="{BB962C8B-B14F-4D97-AF65-F5344CB8AC3E}">
-        <p14:creationId xmlns:p14="http://schemas.microsoft.com/office/powerpoint/2010/main" val="1367148048"/>
-      </p:ext>
-    </p:extLst>
-  </p:cSld>
-  <p:clrMapOvr>
-    <a:masterClrMapping/>
-  </p:clrMapOvr>
-  <mc:AlternateContent xmlns:mc="http://schemas.openxmlformats.org/markup-compatibility/2006">
-    <mc:Choice xmlns:p14="http://schemas.microsoft.com/office/powerpoint/2010/main" Requires="p14">
-      <p:transition spd="med" p14:dur="700">
-        <p:fade/>
-      </p:transition>
-    </mc:Choice>
-    <mc:Fallback>
-      <p:transition spd="med">
-        <p:fade/>
-      </p:transition>
-    </mc:Fallback>
-  </mc:AlternateContent>
-</p:sld>
-</file>
-
-<file path=ppt/slides/slide4.xml><?xml version="1.0" encoding="utf-8"?>
-<p:sld xmlns:a="http://schemas.openxmlformats.org/drawingml/2006/main" xmlns:r="http://schemas.openxmlformats.org/officeDocument/2006/relationships" xmlns:p="http://schemas.openxmlformats.org/presentationml/2006/main">
-  <p:cSld>
-    <p:spTree>
-      <p:nvGrpSpPr>
-        <p:cNvPr id="1" name=""/>
-        <p:cNvGrpSpPr/>
-        <p:nvPr/>
-      </p:nvGrpSpPr>
-      <p:grpSpPr>
-        <a:xfrm>
-          <a:off x="0" y="0"/>
-          <a:ext cx="0" cy="0"/>
-          <a:chOff x="0" y="0"/>
-          <a:chExt cx="0" cy="0"/>
-        </a:xfrm>
-      </p:grpSpPr>
-      <p:sp>
-        <p:nvSpPr>
-          <p:cNvPr id="2" name="Content Placeholder 1"/>
-          <p:cNvSpPr>
-            <a:spLocks noGrp="1"/>
-          </p:cNvSpPr>
-          <p:nvPr>
-            <p:ph idx="1"/>
-          </p:nvPr>
-        </p:nvSpPr>
-        <p:spPr/>
-        <p:txBody>
-          <a:bodyPr/>
-          <a:lstStyle/>
-          <a:p>
-            <a:r>
-              <a:rPr lang="en-US" dirty="0" smtClean="0"/>
-              <a:t>This shields has 6 LEDs (for 2 way traffic light)</a:t>
-            </a:r>
-          </a:p>
-          <a:p>
-            <a:r>
-              <a:rPr lang="en-US" dirty="0" smtClean="0"/>
-              <a:t>One LED 7 Segment for countdown number</a:t>
-            </a:r>
-          </a:p>
-          <a:p>
-            <a:r>
-              <a:rPr lang="en-US" dirty="0" smtClean="0"/>
-              <a:t>3 buttons for mode, up and down operations</a:t>
-            </a:r>
-            <a:endParaRPr lang="en-US" dirty="0"/>
-          </a:p>
-        </p:txBody>
-      </p:sp>
-      <p:sp>
-        <p:nvSpPr>
-          <p:cNvPr id="3" name="Title 2"/>
-          <p:cNvSpPr>
-            <a:spLocks noGrp="1"/>
-          </p:cNvSpPr>
-          <p:nvPr>
-            <p:ph type="title"/>
-          </p:nvPr>
-        </p:nvSpPr>
-        <p:spPr/>
-        <p:txBody>
-          <a:bodyPr/>
-          <a:lstStyle/>
-          <a:p>
-            <a:r>
-              <a:rPr lang="en-US" dirty="0" smtClean="0"/>
-              <a:t>Two Ways Traffic Light (2 points)</a:t>
-            </a:r>
-            <a:endParaRPr lang="en-US" dirty="0"/>
-          </a:p>
-        </p:txBody>
-      </p:sp>
-    </p:spTree>
-    <p:extLst>
-      <p:ext uri="{BB962C8B-B14F-4D97-AF65-F5344CB8AC3E}">
-        <p14:creationId xmlns:p14="http://schemas.microsoft.com/office/powerpoint/2010/main" val="1997761031"/>
-      </p:ext>
-    </p:extLst>
-  </p:cSld>
-  <p:clrMapOvr>
-    <a:masterClrMapping/>
-  </p:clrMapOvr>
-  <mc:AlternateContent xmlns:mc="http://schemas.openxmlformats.org/markup-compatibility/2006">
-    <mc:Choice xmlns:p14="http://schemas.microsoft.com/office/powerpoint/2010/main" Requires="p14">
-      <p:transition spd="med" p14:dur="700">
-        <p:fade/>
-      </p:transition>
-    </mc:Choice>
-    <mc:Fallback>
-      <p:transition spd="med">
-        <p:fade/>
-      </p:transition>
-    </mc:Fallback>
-  </mc:AlternateContent>
-</p:sld>
-</file>
-
-<file path=ppt/slides/slide5.xml><?xml version="1.0" encoding="utf-8"?>
-<p:sld xmlns:a="http://schemas.openxmlformats.org/drawingml/2006/main" xmlns:r="http://schemas.openxmlformats.org/officeDocument/2006/relationships" xmlns:p="http://schemas.openxmlformats.org/presentationml/2006/main">
-  <p:cSld>
-    <p:spTree>
-      <p:nvGrpSpPr>
-        <p:cNvPr id="1" name=""/>
-        <p:cNvGrpSpPr/>
-        <p:nvPr/>
-      </p:nvGrpSpPr>
-      <p:grpSpPr>
-        <a:xfrm>
-          <a:off x="0" y="0"/>
-          <a:ext cx="0" cy="0"/>
-          <a:chOff x="0" y="0"/>
-          <a:chExt cx="0" cy="0"/>
-        </a:xfrm>
-      </p:grpSpPr>
-      <p:sp>
-        <p:nvSpPr>
-          <p:cNvPr id="2" name="Content Placeholder 1"/>
-          <p:cNvSpPr>
-            <a:spLocks noGrp="1"/>
-          </p:cNvSpPr>
-          <p:nvPr>
-            <p:ph idx="1"/>
-          </p:nvPr>
-        </p:nvSpPr>
-        <p:spPr/>
-        <p:txBody>
-          <a:bodyPr/>
-          <a:lstStyle/>
-          <a:p>
-            <a:r>
-              <a:rPr lang="en-US" dirty="0" smtClean="0"/>
-              <a:t>1 LED matrix</a:t>
-            </a:r>
-          </a:p>
-          <a:p>
-            <a:r>
-              <a:rPr lang="en-US" dirty="0" smtClean="0"/>
-              <a:t>2 colors (RED and GREEN) </a:t>
-            </a:r>
-            <a:endParaRPr lang="en-US" dirty="0"/>
-          </a:p>
-        </p:txBody>
-      </p:sp>
-      <p:sp>
-        <p:nvSpPr>
-          <p:cNvPr id="3" name="Title 2"/>
-          <p:cNvSpPr>
-            <a:spLocks noGrp="1"/>
-          </p:cNvSpPr>
-          <p:nvPr>
-            <p:ph type="title"/>
-          </p:nvPr>
-        </p:nvSpPr>
-        <p:spPr/>
-        <p:txBody>
-          <a:bodyPr/>
-          <a:lstStyle/>
-          <a:p>
-            <a:r>
-              <a:rPr lang="en-US" dirty="0" smtClean="0"/>
-              <a:t>LED Matrix (2 points)</a:t>
-            </a:r>
-            <a:endParaRPr lang="en-US" dirty="0"/>
-          </a:p>
-        </p:txBody>
-      </p:sp>
-    </p:spTree>
-    <p:extLst>
-      <p:ext uri="{BB962C8B-B14F-4D97-AF65-F5344CB8AC3E}">
-        <p14:creationId xmlns:p14="http://schemas.microsoft.com/office/powerpoint/2010/main" val="3816757136"/>
-      </p:ext>
-    </p:extLst>
-  </p:cSld>
-  <p:clrMapOvr>
-    <a:masterClrMapping/>
-  </p:clrMapOvr>
-  <mc:AlternateContent xmlns:mc="http://schemas.openxmlformats.org/markup-compatibility/2006">
-    <mc:Choice xmlns:p14="http://schemas.microsoft.com/office/powerpoint/2010/main" Requires="p14">
-      <p:transition spd="med" p14:dur="700">
-        <p:fade/>
-      </p:transition>
-    </mc:Choice>
-    <mc:Fallback>
-      <p:transition spd="med">
-        <p:fade/>
-      </p:transition>
-    </mc:Fallback>
-  </mc:AlternateContent>
-</p:sld>
-</file>
-
-<file path=ppt/slides/slide6.xml><?xml version="1.0" encoding="utf-8"?>
-<p:sld xmlns:a="http://schemas.openxmlformats.org/drawingml/2006/main" xmlns:r="http://schemas.openxmlformats.org/officeDocument/2006/relationships" xmlns:p="http://schemas.openxmlformats.org/presentationml/2006/main">
-  <p:cSld>
-    <p:spTree>
-      <p:nvGrpSpPr>
-        <p:cNvPr id="1" name=""/>
-        <p:cNvGrpSpPr/>
-        <p:nvPr/>
-      </p:nvGrpSpPr>
-      <p:grpSpPr>
-        <a:xfrm>
-          <a:off x="0" y="0"/>
-          <a:ext cx="0" cy="0"/>
-          <a:chOff x="0" y="0"/>
-          <a:chExt cx="0" cy="0"/>
-        </a:xfrm>
-      </p:grpSpPr>
-      <p:sp>
-        <p:nvSpPr>
-          <p:cNvPr id="2" name="Content Placeholder 1"/>
-          <p:cNvSpPr>
-            <a:spLocks noGrp="1"/>
-          </p:cNvSpPr>
-          <p:nvPr>
-            <p:ph idx="1"/>
-          </p:nvPr>
-        </p:nvSpPr>
-        <p:spPr/>
-        <p:txBody>
-          <a:bodyPr/>
-          <a:lstStyle/>
-          <a:p>
-            <a:r>
-              <a:rPr lang="en-US" dirty="0" smtClean="0"/>
-              <a:t>4 LED 7s (to display minute and hour)</a:t>
-            </a:r>
-          </a:p>
-          <a:p>
-            <a:r>
-              <a:rPr lang="en-US" dirty="0" smtClean="0"/>
-              <a:t>2 Single LEDs for a Dot (blink every second)</a:t>
-            </a:r>
-          </a:p>
-          <a:p>
-            <a:r>
-              <a:rPr lang="en-US" dirty="0" smtClean="0"/>
-              <a:t>3 buttons, 1 one mode, 2 for up and down</a:t>
-            </a:r>
-            <a:endParaRPr lang="en-US" dirty="0"/>
-          </a:p>
-        </p:txBody>
-      </p:sp>
-      <p:sp>
-        <p:nvSpPr>
-          <p:cNvPr id="3" name="Title 2"/>
-          <p:cNvSpPr>
-            <a:spLocks noGrp="1"/>
-          </p:cNvSpPr>
-          <p:nvPr>
-            <p:ph type="title"/>
-          </p:nvPr>
-        </p:nvSpPr>
-        <p:spPr/>
-        <p:txBody>
-          <a:bodyPr>
-            <a:normAutofit/>
-          </a:bodyPr>
-          <a:lstStyle/>
-          <a:p>
-            <a:r>
-              <a:rPr lang="en-US" dirty="0" smtClean="0"/>
-              <a:t>4 LED 7s and a double dot (3 points)</a:t>
-            </a:r>
-            <a:endParaRPr lang="en-US" dirty="0"/>
-          </a:p>
-        </p:txBody>
-      </p:sp>
-    </p:spTree>
-    <p:extLst>
-      <p:ext uri="{BB962C8B-B14F-4D97-AF65-F5344CB8AC3E}">
-        <p14:creationId xmlns:p14="http://schemas.microsoft.com/office/powerpoint/2010/main" val="3269273252"/>
-      </p:ext>
-    </p:extLst>
-  </p:cSld>
-  <p:clrMapOvr>
-    <a:masterClrMapping/>
-  </p:clrMapOvr>
-  <mc:AlternateContent xmlns:mc="http://schemas.openxmlformats.org/markup-compatibility/2006">
-    <mc:Choice xmlns:p14="http://schemas.microsoft.com/office/powerpoint/2010/main" Requires="p14">
-      <p:transition spd="med" p14:dur="700">
-        <p:fade/>
-      </p:transition>
-    </mc:Choice>
-    <mc:Fallback>
-      <p:transition spd="med">
-        <p:fade/>
-      </p:transition>
-    </mc:Fallback>
-  </mc:AlternateContent>
-</p:sld>
-</file>
-
-<file path=ppt/slides/slide7.xml><?xml version="1.0" encoding="utf-8"?>
-<p:sld xmlns:a="http://schemas.openxmlformats.org/drawingml/2006/main" xmlns:r="http://schemas.openxmlformats.org/officeDocument/2006/relationships" xmlns:p="http://schemas.openxmlformats.org/presentationml/2006/main">
-  <p:cSld>
-    <p:spTree>
-      <p:nvGrpSpPr>
-        <p:cNvPr id="1" name=""/>
-        <p:cNvGrpSpPr/>
-        <p:nvPr/>
-      </p:nvGrpSpPr>
-      <p:grpSpPr>
-        <a:xfrm>
-          <a:off x="0" y="0"/>
-          <a:ext cx="0" cy="0"/>
-          <a:chOff x="0" y="0"/>
-          <a:chExt cx="0" cy="0"/>
-        </a:xfrm>
-      </p:grpSpPr>
-      <p:sp>
-        <p:nvSpPr>
-          <p:cNvPr id="2" name="Content Placeholder 1"/>
-          <p:cNvSpPr>
-            <a:spLocks noGrp="1"/>
-          </p:cNvSpPr>
-          <p:nvPr>
-            <p:ph idx="1"/>
-          </p:nvPr>
-        </p:nvSpPr>
-        <p:spPr/>
-        <p:txBody>
-          <a:bodyPr/>
-          <a:lstStyle/>
-          <a:p>
-            <a:r>
               <a:rPr lang="en-US" dirty="0"/>
-              <a:t>S</a:t>
-            </a:r>
-            <a:r>
-              <a:rPr lang="en-US" dirty="0" smtClean="0"/>
-              <a:t>erial to parallel IC is required (MAX7219 or equivalent </a:t>
-            </a:r>
-            <a:r>
-              <a:rPr lang="en-US" dirty="0" err="1" smtClean="0"/>
-              <a:t>Ics</a:t>
-            </a:r>
-            <a:r>
-              <a:rPr lang="en-US" dirty="0" smtClean="0"/>
-              <a:t>)</a:t>
-            </a:r>
-          </a:p>
-          <a:p>
-            <a:r>
-              <a:rPr lang="en-US" dirty="0" smtClean="0"/>
-              <a:t>Many shields can be connected to extend the size of the LED Matrix</a:t>
-            </a:r>
-            <a:endParaRPr lang="en-US" dirty="0"/>
-          </a:p>
-        </p:txBody>
-      </p:sp>
-      <p:sp>
-        <p:nvSpPr>
-          <p:cNvPr id="3" name="Title 2"/>
-          <p:cNvSpPr>
-            <a:spLocks noGrp="1"/>
-          </p:cNvSpPr>
-          <p:nvPr>
-            <p:ph type="title"/>
-          </p:nvPr>
-        </p:nvSpPr>
-        <p:spPr/>
-        <p:txBody>
-          <a:bodyPr>
-            <a:normAutofit/>
-          </a:bodyPr>
-          <a:lstStyle/>
-          <a:p>
-            <a:r>
-              <a:rPr lang="en-US" sz="3200" dirty="0" smtClean="0"/>
-              <a:t>LED MATRIX with Serial connection (4 points)</a:t>
-            </a:r>
-            <a:endParaRPr lang="en-US" sz="3200" dirty="0"/>
-          </a:p>
-        </p:txBody>
-      </p:sp>
-    </p:spTree>
-    <p:extLst>
-      <p:ext uri="{BB962C8B-B14F-4D97-AF65-F5344CB8AC3E}">
-        <p14:creationId xmlns:p14="http://schemas.microsoft.com/office/powerpoint/2010/main" val="311388374"/>
-      </p:ext>
-    </p:extLst>
-  </p:cSld>
-  <p:clrMapOvr>
-    <a:masterClrMapping/>
-  </p:clrMapOvr>
-  <mc:AlternateContent xmlns:mc="http://schemas.openxmlformats.org/markup-compatibility/2006">
-    <mc:Choice xmlns:p14="http://schemas.microsoft.com/office/powerpoint/2010/main" Requires="p14">
-      <p:transition spd="med" p14:dur="700">
-        <p:fade/>
-      </p:transition>
-    </mc:Choice>
-    <mc:Fallback>
-      <p:transition spd="med">
-        <p:fade/>
-      </p:transition>
-    </mc:Fallback>
-  </mc:AlternateContent>
-</p:sld>
-</file>
-
-<file path=ppt/slides/slide8.xml><?xml version="1.0" encoding="utf-8"?>
-<p:sld xmlns:a="http://schemas.openxmlformats.org/drawingml/2006/main" xmlns:r="http://schemas.openxmlformats.org/officeDocument/2006/relationships" xmlns:p="http://schemas.openxmlformats.org/presentationml/2006/main">
-  <p:cSld>
-    <p:spTree>
-      <p:nvGrpSpPr>
-        <p:cNvPr id="1" name=""/>
-        <p:cNvGrpSpPr/>
-        <p:nvPr/>
-      </p:nvGrpSpPr>
-      <p:grpSpPr>
-        <a:xfrm>
-          <a:off x="0" y="0"/>
-          <a:ext cx="0" cy="0"/>
-          <a:chOff x="0" y="0"/>
-          <a:chExt cx="0" cy="0"/>
-        </a:xfrm>
-      </p:grpSpPr>
-      <p:sp>
-        <p:nvSpPr>
-          <p:cNvPr id="2" name="Content Placeholder 1"/>
-          <p:cNvSpPr>
-            <a:spLocks noGrp="1"/>
-          </p:cNvSpPr>
-          <p:nvPr>
-            <p:ph idx="1"/>
-          </p:nvPr>
-        </p:nvSpPr>
-        <p:spPr/>
-        <p:txBody>
-          <a:bodyPr/>
-          <a:lstStyle/>
-          <a:p>
-            <a:r>
-              <a:rPr lang="en-US" dirty="0" smtClean="0"/>
-              <a:t>I2C connections</a:t>
-            </a:r>
-            <a:endParaRPr lang="en-US" dirty="0"/>
-          </a:p>
-        </p:txBody>
-      </p:sp>
-      <p:sp>
-        <p:nvSpPr>
-          <p:cNvPr id="3" name="Title 2"/>
-          <p:cNvSpPr>
-            <a:spLocks noGrp="1"/>
-          </p:cNvSpPr>
-          <p:nvPr>
-            <p:ph type="title"/>
-          </p:nvPr>
-        </p:nvSpPr>
-        <p:spPr/>
-        <p:txBody>
-          <a:bodyPr/>
-          <a:lstStyle/>
-          <a:p>
-            <a:r>
-              <a:rPr lang="en-US" dirty="0" smtClean="0"/>
               <a:t>LCD 16x2 and DHT20 (6 points)</a:t>
             </a:r>
-            <a:endParaRPr lang="en-US" dirty="0"/>
           </a:p>
         </p:txBody>
       </p:sp>
@@ -6056,13 +5478,416 @@
   <p:clrMapOvr>
     <a:masterClrMapping/>
   </p:clrMapOvr>
-  <mc:AlternateContent xmlns:mc="http://schemas.openxmlformats.org/markup-compatibility/2006">
-    <mc:Choice xmlns:p14="http://schemas.microsoft.com/office/powerpoint/2010/main" Requires="p14">
+  <mc:AlternateContent xmlns:mc="http://schemas.openxmlformats.org/markup-compatibility/2006" xmlns:p14="http://schemas.microsoft.com/office/powerpoint/2010/main">
+    <mc:Choice Requires="p14">
       <p:transition spd="med" p14:dur="700">
         <p:fade/>
       </p:transition>
     </mc:Choice>
-    <mc:Fallback>
+    <mc:Fallback xmlns="">
+      <p:transition spd="med">
+        <p:fade/>
+      </p:transition>
+    </mc:Fallback>
+  </mc:AlternateContent>
+</p:sld>
+</file>
+
+<file path=ppt/slides/slide4.xml><?xml version="1.0" encoding="utf-8"?>
+<p:sld xmlns:a="http://schemas.openxmlformats.org/drawingml/2006/main" xmlns:r="http://schemas.openxmlformats.org/officeDocument/2006/relationships" xmlns:p="http://schemas.openxmlformats.org/presentationml/2006/main">
+  <p:cSld>
+    <p:spTree>
+      <p:nvGrpSpPr>
+        <p:cNvPr id="1" name=""/>
+        <p:cNvGrpSpPr/>
+        <p:nvPr/>
+      </p:nvGrpSpPr>
+      <p:grpSpPr>
+        <a:xfrm>
+          <a:off x="0" y="0"/>
+          <a:ext cx="0" cy="0"/>
+          <a:chOff x="0" y="0"/>
+          <a:chExt cx="0" cy="0"/>
+        </a:xfrm>
+      </p:grpSpPr>
+      <p:sp>
+        <p:nvSpPr>
+          <p:cNvPr id="3" name="Title 2">
+            <a:extLst>
+              <a:ext uri="{FF2B5EF4-FFF2-40B4-BE49-F238E27FC236}">
+                <a16:creationId xmlns:a16="http://schemas.microsoft.com/office/drawing/2014/main" id="{FC6E2D0C-8DE9-6D14-D314-5C1D1CDC7B85}"/>
+              </a:ext>
+            </a:extLst>
+          </p:cNvPr>
+          <p:cNvSpPr>
+            <a:spLocks noGrp="1"/>
+          </p:cNvSpPr>
+          <p:nvPr>
+            <p:ph type="title"/>
+          </p:nvPr>
+        </p:nvSpPr>
+        <p:spPr/>
+        <p:txBody>
+          <a:bodyPr>
+            <a:normAutofit/>
+          </a:bodyPr>
+          <a:lstStyle/>
+          <a:p>
+            <a:r>
+              <a:rPr lang="en-US" dirty="0"/>
+              <a:t>First SCH Design for using DHT11</a:t>
+            </a:r>
+          </a:p>
+        </p:txBody>
+      </p:sp>
+      <p:pic>
+        <p:nvPicPr>
+          <p:cNvPr id="5" name="Picture 4">
+            <a:extLst>
+              <a:ext uri="{FF2B5EF4-FFF2-40B4-BE49-F238E27FC236}">
+                <a16:creationId xmlns:a16="http://schemas.microsoft.com/office/drawing/2014/main" id="{F5CDCB9A-47F8-2053-44C1-563575203916}"/>
+              </a:ext>
+            </a:extLst>
+          </p:cNvPr>
+          <p:cNvPicPr>
+            <a:picLocks noChangeAspect="1"/>
+          </p:cNvPicPr>
+          <p:nvPr/>
+        </p:nvPicPr>
+        <p:blipFill>
+          <a:blip r:embed="rId2"/>
+          <a:stretch>
+            <a:fillRect/>
+          </a:stretch>
+        </p:blipFill>
+        <p:spPr>
+          <a:xfrm>
+            <a:off x="0" y="1356308"/>
+            <a:ext cx="9144000" cy="4867891"/>
+          </a:xfrm>
+          <a:prstGeom prst="rect">
+            <a:avLst/>
+          </a:prstGeom>
+        </p:spPr>
+      </p:pic>
+    </p:spTree>
+    <p:extLst>
+      <p:ext uri="{BB962C8B-B14F-4D97-AF65-F5344CB8AC3E}">
+        <p14:creationId xmlns:p14="http://schemas.microsoft.com/office/powerpoint/2010/main" val="1982797345"/>
+      </p:ext>
+    </p:extLst>
+  </p:cSld>
+  <p:clrMapOvr>
+    <a:masterClrMapping/>
+  </p:clrMapOvr>
+  <mc:AlternateContent xmlns:mc="http://schemas.openxmlformats.org/markup-compatibility/2006" xmlns:p14="http://schemas.microsoft.com/office/powerpoint/2010/main">
+    <mc:Choice Requires="p14">
+      <p:transition spd="med" p14:dur="700">
+        <p:fade/>
+      </p:transition>
+    </mc:Choice>
+    <mc:Fallback xmlns="">
+      <p:transition spd="med">
+        <p:fade/>
+      </p:transition>
+    </mc:Fallback>
+  </mc:AlternateContent>
+</p:sld>
+</file>
+
+<file path=ppt/slides/slide5.xml><?xml version="1.0" encoding="utf-8"?>
+<p:sld xmlns:a="http://schemas.openxmlformats.org/drawingml/2006/main" xmlns:r="http://schemas.openxmlformats.org/officeDocument/2006/relationships" xmlns:p="http://schemas.openxmlformats.org/presentationml/2006/main">
+  <p:cSld>
+    <p:spTree>
+      <p:nvGrpSpPr>
+        <p:cNvPr id="1" name=""/>
+        <p:cNvGrpSpPr/>
+        <p:nvPr/>
+      </p:nvGrpSpPr>
+      <p:grpSpPr>
+        <a:xfrm>
+          <a:off x="0" y="0"/>
+          <a:ext cx="0" cy="0"/>
+          <a:chOff x="0" y="0"/>
+          <a:chExt cx="0" cy="0"/>
+        </a:xfrm>
+      </p:grpSpPr>
+      <p:sp>
+        <p:nvSpPr>
+          <p:cNvPr id="3" name="Title 2">
+            <a:extLst>
+              <a:ext uri="{FF2B5EF4-FFF2-40B4-BE49-F238E27FC236}">
+                <a16:creationId xmlns:a16="http://schemas.microsoft.com/office/drawing/2014/main" id="{04CA9CA9-3965-3941-4DA9-7C84275FB98C}"/>
+              </a:ext>
+            </a:extLst>
+          </p:cNvPr>
+          <p:cNvSpPr>
+            <a:spLocks noGrp="1"/>
+          </p:cNvSpPr>
+          <p:nvPr>
+            <p:ph type="title"/>
+          </p:nvPr>
+        </p:nvSpPr>
+        <p:spPr/>
+        <p:txBody>
+          <a:bodyPr/>
+          <a:lstStyle/>
+          <a:p>
+            <a:r>
+              <a:rPr lang="en-US" dirty="0"/>
+              <a:t>Mapping with STM32 pins</a:t>
+            </a:r>
+          </a:p>
+        </p:txBody>
+      </p:sp>
+      <p:pic>
+        <p:nvPicPr>
+          <p:cNvPr id="5" name="Picture 4">
+            <a:extLst>
+              <a:ext uri="{FF2B5EF4-FFF2-40B4-BE49-F238E27FC236}">
+                <a16:creationId xmlns:a16="http://schemas.microsoft.com/office/drawing/2014/main" id="{778A3F8B-D598-290A-EF83-B1D7DED2DA4C}"/>
+              </a:ext>
+            </a:extLst>
+          </p:cNvPr>
+          <p:cNvPicPr>
+            <a:picLocks noChangeAspect="1"/>
+          </p:cNvPicPr>
+          <p:nvPr/>
+        </p:nvPicPr>
+        <p:blipFill>
+          <a:blip r:embed="rId2"/>
+          <a:stretch>
+            <a:fillRect/>
+          </a:stretch>
+        </p:blipFill>
+        <p:spPr>
+          <a:xfrm>
+            <a:off x="1385540" y="1429923"/>
+            <a:ext cx="6652837" cy="5143946"/>
+          </a:xfrm>
+          <a:prstGeom prst="rect">
+            <a:avLst/>
+          </a:prstGeom>
+        </p:spPr>
+      </p:pic>
+    </p:spTree>
+    <p:extLst>
+      <p:ext uri="{BB962C8B-B14F-4D97-AF65-F5344CB8AC3E}">
+        <p14:creationId xmlns:p14="http://schemas.microsoft.com/office/powerpoint/2010/main" val="3096521271"/>
+      </p:ext>
+    </p:extLst>
+  </p:cSld>
+  <p:clrMapOvr>
+    <a:masterClrMapping/>
+  </p:clrMapOvr>
+  <mc:AlternateContent xmlns:mc="http://schemas.openxmlformats.org/markup-compatibility/2006" xmlns:p14="http://schemas.microsoft.com/office/powerpoint/2010/main">
+    <mc:Choice Requires="p14">
+      <p:transition spd="med" p14:dur="700">
+        <p:fade/>
+      </p:transition>
+    </mc:Choice>
+    <mc:Fallback xmlns="">
+      <p:transition spd="med">
+        <p:fade/>
+      </p:transition>
+    </mc:Fallback>
+  </mc:AlternateContent>
+</p:sld>
+</file>
+
+<file path=ppt/slides/slide6.xml><?xml version="1.0" encoding="utf-8"?>
+<p:sld xmlns:a="http://schemas.openxmlformats.org/drawingml/2006/main" xmlns:r="http://schemas.openxmlformats.org/officeDocument/2006/relationships" xmlns:p="http://schemas.openxmlformats.org/presentationml/2006/main">
+  <p:cSld>
+    <p:spTree>
+      <p:nvGrpSpPr>
+        <p:cNvPr id="1" name=""/>
+        <p:cNvGrpSpPr/>
+        <p:nvPr/>
+      </p:nvGrpSpPr>
+      <p:grpSpPr>
+        <a:xfrm>
+          <a:off x="0" y="0"/>
+          <a:ext cx="0" cy="0"/>
+          <a:chOff x="0" y="0"/>
+          <a:chExt cx="0" cy="0"/>
+        </a:xfrm>
+      </p:grpSpPr>
+      <p:pic>
+        <p:nvPicPr>
+          <p:cNvPr id="7" name="Content Placeholder 6">
+            <a:extLst>
+              <a:ext uri="{FF2B5EF4-FFF2-40B4-BE49-F238E27FC236}">
+                <a16:creationId xmlns:a16="http://schemas.microsoft.com/office/drawing/2014/main" id="{0BBD1D2C-B248-4155-193A-E3ACDDD5B969}"/>
+              </a:ext>
+            </a:extLst>
+          </p:cNvPr>
+          <p:cNvPicPr>
+            <a:picLocks noGrp="1" noChangeAspect="1"/>
+          </p:cNvPicPr>
+          <p:nvPr>
+            <p:ph idx="1"/>
+          </p:nvPr>
+        </p:nvPicPr>
+        <p:blipFill>
+          <a:blip r:embed="rId2"/>
+          <a:stretch>
+            <a:fillRect/>
+          </a:stretch>
+        </p:blipFill>
+        <p:spPr>
+          <a:xfrm>
+            <a:off x="242596" y="1990233"/>
+            <a:ext cx="8868408" cy="4622428"/>
+          </a:xfrm>
+        </p:spPr>
+      </p:pic>
+      <p:sp>
+        <p:nvSpPr>
+          <p:cNvPr id="3" name="Title 2">
+            <a:extLst>
+              <a:ext uri="{FF2B5EF4-FFF2-40B4-BE49-F238E27FC236}">
+                <a16:creationId xmlns:a16="http://schemas.microsoft.com/office/drawing/2014/main" id="{87A20EB0-8950-21A3-414F-81638B2AB9A6}"/>
+              </a:ext>
+            </a:extLst>
+          </p:cNvPr>
+          <p:cNvSpPr>
+            <a:spLocks noGrp="1"/>
+          </p:cNvSpPr>
+          <p:nvPr>
+            <p:ph type="title"/>
+          </p:nvPr>
+        </p:nvSpPr>
+        <p:spPr/>
+        <p:txBody>
+          <a:bodyPr>
+            <a:normAutofit/>
+          </a:bodyPr>
+          <a:lstStyle/>
+          <a:p>
+            <a:r>
+              <a:rPr lang="en-US" dirty="0"/>
+              <a:t>Schematic Design for using DHT20</a:t>
+            </a:r>
+          </a:p>
+        </p:txBody>
+      </p:sp>
+    </p:spTree>
+    <p:extLst>
+      <p:ext uri="{BB962C8B-B14F-4D97-AF65-F5344CB8AC3E}">
+        <p14:creationId xmlns:p14="http://schemas.microsoft.com/office/powerpoint/2010/main" val="1514247391"/>
+      </p:ext>
+    </p:extLst>
+  </p:cSld>
+  <p:clrMapOvr>
+    <a:masterClrMapping/>
+  </p:clrMapOvr>
+  <mc:AlternateContent xmlns:mc="http://schemas.openxmlformats.org/markup-compatibility/2006" xmlns:p14="http://schemas.microsoft.com/office/powerpoint/2010/main">
+    <mc:Choice Requires="p14">
+      <p:transition spd="med" p14:dur="700">
+        <p:fade/>
+      </p:transition>
+    </mc:Choice>
+    <mc:Fallback xmlns="">
+      <p:transition spd="med">
+        <p:fade/>
+      </p:transition>
+    </mc:Fallback>
+  </mc:AlternateContent>
+</p:sld>
+</file>
+
+<file path=ppt/slides/slide7.xml><?xml version="1.0" encoding="utf-8"?>
+<p:sld xmlns:a="http://schemas.openxmlformats.org/drawingml/2006/main" xmlns:r="http://schemas.openxmlformats.org/officeDocument/2006/relationships" xmlns:p="http://schemas.openxmlformats.org/presentationml/2006/main">
+  <p:cSld>
+    <p:spTree>
+      <p:nvGrpSpPr>
+        <p:cNvPr id="1" name=""/>
+        <p:cNvGrpSpPr/>
+        <p:nvPr/>
+      </p:nvGrpSpPr>
+      <p:grpSpPr>
+        <a:xfrm>
+          <a:off x="0" y="0"/>
+          <a:ext cx="0" cy="0"/>
+          <a:chOff x="0" y="0"/>
+          <a:chExt cx="0" cy="0"/>
+        </a:xfrm>
+      </p:grpSpPr>
+      <p:sp>
+        <p:nvSpPr>
+          <p:cNvPr id="3" name="Title 2">
+            <a:extLst>
+              <a:ext uri="{FF2B5EF4-FFF2-40B4-BE49-F238E27FC236}">
+                <a16:creationId xmlns:a16="http://schemas.microsoft.com/office/drawing/2014/main" id="{640C3499-45D4-0007-8308-60742354BCB0}"/>
+              </a:ext>
+            </a:extLst>
+          </p:cNvPr>
+          <p:cNvSpPr>
+            <a:spLocks noGrp="1"/>
+          </p:cNvSpPr>
+          <p:nvPr>
+            <p:ph type="title"/>
+          </p:nvPr>
+        </p:nvSpPr>
+        <p:spPr/>
+        <p:txBody>
+          <a:bodyPr/>
+          <a:lstStyle/>
+          <a:p>
+            <a:r>
+              <a:rPr lang="en-US" dirty="0"/>
+              <a:t>PCB design for using DHT20</a:t>
+            </a:r>
+          </a:p>
+        </p:txBody>
+      </p:sp>
+      <p:pic>
+        <p:nvPicPr>
+          <p:cNvPr id="5" name="Picture 4">
+            <a:extLst>
+              <a:ext uri="{FF2B5EF4-FFF2-40B4-BE49-F238E27FC236}">
+                <a16:creationId xmlns:a16="http://schemas.microsoft.com/office/drawing/2014/main" id="{158657D7-A519-6A5D-5EAA-774478CEE378}"/>
+              </a:ext>
+            </a:extLst>
+          </p:cNvPr>
+          <p:cNvPicPr>
+            <a:picLocks noChangeAspect="1"/>
+          </p:cNvPicPr>
+          <p:nvPr/>
+        </p:nvPicPr>
+        <p:blipFill>
+          <a:blip r:embed="rId2"/>
+          <a:stretch>
+            <a:fillRect/>
+          </a:stretch>
+        </p:blipFill>
+        <p:spPr>
+          <a:xfrm>
+            <a:off x="1241528" y="1373697"/>
+            <a:ext cx="6866215" cy="5349704"/>
+          </a:xfrm>
+          <a:prstGeom prst="rect">
+            <a:avLst/>
+          </a:prstGeom>
+        </p:spPr>
+      </p:pic>
+    </p:spTree>
+    <p:extLst>
+      <p:ext uri="{BB962C8B-B14F-4D97-AF65-F5344CB8AC3E}">
+        <p14:creationId xmlns:p14="http://schemas.microsoft.com/office/powerpoint/2010/main" val="372146053"/>
+      </p:ext>
+    </p:extLst>
+  </p:cSld>
+  <p:clrMapOvr>
+    <a:masterClrMapping/>
+  </p:clrMapOvr>
+  <mc:AlternateContent xmlns:mc="http://schemas.openxmlformats.org/markup-compatibility/2006" xmlns:p14="http://schemas.microsoft.com/office/powerpoint/2010/main">
+    <mc:Choice Requires="p14">
+      <p:transition spd="med" p14:dur="700">
+        <p:fade/>
+      </p:transition>
+    </mc:Choice>
+    <mc:Fallback xmlns="">
       <p:transition spd="med">
         <p:fade/>
       </p:transition>

--- a/LogicDesignProject.pptx
+++ b/LogicDesignProject.pptx
@@ -5241,23 +5241,43 @@
           <a:p>
             <a:pPr lvl="1"/>
             <a:r>
+              <a:rPr lang="en-US" dirty="0">
+                <a:solidFill>
+                  <a:srgbClr val="FF0000"/>
+                </a:solidFill>
+              </a:rPr>
+              <a:t>Schematic design in </a:t>
+            </a:r>
+            <a:r>
+              <a:rPr lang="en-US" dirty="0" err="1">
+                <a:solidFill>
+                  <a:srgbClr val="FF0000"/>
+                </a:solidFill>
+              </a:rPr>
+              <a:t>Altium</a:t>
+            </a:r>
+            <a:r>
+              <a:rPr lang="en-US" dirty="0">
+                <a:solidFill>
+                  <a:srgbClr val="FF0000"/>
+                </a:solidFill>
+              </a:rPr>
+              <a:t> Designer</a:t>
+            </a:r>
+          </a:p>
+          <a:p>
+            <a:pPr lvl="1"/>
+            <a:r>
+              <a:rPr lang="en-US" dirty="0">
+                <a:solidFill>
+                  <a:srgbClr val="FF0000"/>
+                </a:solidFill>
+              </a:rPr>
+              <a:t>PCB Layout </a:t>
+            </a:r>
+            <a:r>
               <a:rPr lang="en-US" dirty="0"/>
-              <a:t>Schematic design in </a:t>
-            </a:r>
-            <a:r>
-              <a:rPr lang="en-US" dirty="0" err="1"/>
-              <a:t>Altium</a:t>
-            </a:r>
-            <a:r>
-              <a:rPr lang="en-US" dirty="0"/>
-              <a:t> Designer</a:t>
-            </a:r>
-          </a:p>
-          <a:p>
-            <a:pPr lvl="1"/>
-            <a:r>
-              <a:rPr lang="en-US" dirty="0"/>
-              <a:t>PCB Layout and Circuit Assembly</a:t>
+              <a:t>and Circuit Assembly</a:t>
             </a:r>
           </a:p>
           <a:p>
